--- a/Capita Selecta/Building an VR ship simulation Presentation Hugo Leenen.pptx
+++ b/Capita Selecta/Building an VR ship simulation Presentation Hugo Leenen.pptx
@@ -7,8 +7,9 @@
   <p:sldIdLst>
     <p:sldId id="256" r:id="rId2"/>
     <p:sldId id="257" r:id="rId3"/>
-    <p:sldId id="258" r:id="rId4"/>
+    <p:sldId id="260" r:id="rId4"/>
     <p:sldId id="259" r:id="rId5"/>
+    <p:sldId id="261" r:id="rId6"/>
   </p:sldIdLst>
   <p:sldSz cx="12192000" cy="6858000"/>
   <p:notesSz cx="6858000" cy="9144000"/>
@@ -107,7 +108,16 @@
       </a:defRPr>
     </a:lvl9pPr>
   </p:defaultTextStyle>
+  <p:extLst>
+    <p:ext uri="{EFAFB233-063F-42B5-8137-9DF3F51BA10A}">
+      <p15:sldGuideLst xmlns:p15="http://schemas.microsoft.com/office/powerpoint/2012/main"/>
+    </p:ext>
+  </p:extLst>
 </p:presentation>
+</file>
+
+<file path=ppt/revisionInfo.xml><?xml version="1.0" encoding="utf-8"?>
+<p1510:revInfo xmlns:a="http://schemas.openxmlformats.org/drawingml/2006/main" xmlns:r="http://schemas.openxmlformats.org/officeDocument/2006/relationships" xmlns:p1510="http://schemas.microsoft.com/office/powerpoint/2015/10/main"/>
 </file>
 
 <file path=ppt/slideLayouts/slideLayout1.xml><?xml version="1.0" encoding="utf-8"?>
@@ -302,7 +312,7 @@
             <a:fld id="{B61BEF0D-F0BB-DE4B-95CE-6DB70DBA9567}" type="datetimeFigureOut">
               <a:rPr lang="en-US" dirty="0"/>
               <a:pPr/>
-              <a:t>1/20/2018</a:t>
+              <a:t>1/22/2018</a:t>
             </a:fld>
             <a:endParaRPr lang="en-US" dirty="0"/>
           </a:p>
@@ -345,7 +355,7 @@
             <a:fld id="{D57F1E4F-1CFF-5643-939E-217C01CDF565}" type="slidenum">
               <a:rPr lang="en-US" dirty="0"/>
               <a:pPr/>
-              <a:t>‹nr.›</a:t>
+              <a:t>‹#›</a:t>
             </a:fld>
             <a:endParaRPr lang="en-US" dirty="0"/>
           </a:p>
@@ -735,7 +745,7 @@
             <a:fld id="{B61BEF0D-F0BB-DE4B-95CE-6DB70DBA9567}" type="datetimeFigureOut">
               <a:rPr lang="en-US" dirty="0"/>
               <a:pPr/>
-              <a:t>1/20/2018</a:t>
+              <a:t>1/22/2018</a:t>
             </a:fld>
             <a:endParaRPr lang="en-US" dirty="0"/>
           </a:p>
@@ -778,7 +788,7 @@
             <a:fld id="{D57F1E4F-1CFF-5643-939E-217C01CDF565}" type="slidenum">
               <a:rPr lang="en-US" dirty="0"/>
               <a:pPr/>
-              <a:t>‹nr.›</a:t>
+              <a:t>‹#›</a:t>
             </a:fld>
             <a:endParaRPr lang="en-US" dirty="0"/>
           </a:p>
@@ -982,7 +992,7 @@
             <a:fld id="{B61BEF0D-F0BB-DE4B-95CE-6DB70DBA9567}" type="datetimeFigureOut">
               <a:rPr lang="en-US" dirty="0"/>
               <a:pPr/>
-              <a:t>1/20/2018</a:t>
+              <a:t>1/22/2018</a:t>
             </a:fld>
             <a:endParaRPr lang="en-US" dirty="0"/>
           </a:p>
@@ -1025,7 +1035,7 @@
             <a:fld id="{D57F1E4F-1CFF-5643-939E-217C01CDF565}" type="slidenum">
               <a:rPr lang="en-US" dirty="0"/>
               <a:pPr/>
-              <a:t>‹nr.›</a:t>
+              <a:t>‹#›</a:t>
             </a:fld>
             <a:endParaRPr lang="en-US" dirty="0"/>
           </a:p>
@@ -1287,7 +1297,7 @@
             <a:fld id="{B61BEF0D-F0BB-DE4B-95CE-6DB70DBA9567}" type="datetimeFigureOut">
               <a:rPr lang="en-US" dirty="0"/>
               <a:pPr/>
-              <a:t>1/20/2018</a:t>
+              <a:t>1/22/2018</a:t>
             </a:fld>
             <a:endParaRPr lang="en-US" dirty="0"/>
           </a:p>
@@ -1330,7 +1340,7 @@
             <a:fld id="{D57F1E4F-1CFF-5643-939E-217C01CDF565}" type="slidenum">
               <a:rPr lang="en-US" dirty="0"/>
               <a:pPr/>
-              <a:t>‹nr.›</a:t>
+              <a:t>‹#›</a:t>
             </a:fld>
             <a:endParaRPr lang="en-US" dirty="0"/>
           </a:p>
@@ -1602,7 +1612,7 @@
             <a:fld id="{B61BEF0D-F0BB-DE4B-95CE-6DB70DBA9567}" type="datetimeFigureOut">
               <a:rPr lang="en-US" dirty="0"/>
               <a:pPr/>
-              <a:t>1/20/2018</a:t>
+              <a:t>1/22/2018</a:t>
             </a:fld>
             <a:endParaRPr lang="en-US" dirty="0"/>
           </a:p>
@@ -1645,7 +1655,7 @@
             <a:fld id="{D57F1E4F-1CFF-5643-939E-217C01CDF565}" type="slidenum">
               <a:rPr lang="en-US" dirty="0"/>
               <a:pPr/>
-              <a:t>‹nr.›</a:t>
+              <a:t>‹#›</a:t>
             </a:fld>
             <a:endParaRPr lang="en-US" dirty="0"/>
           </a:p>
@@ -1901,7 +1911,7 @@
             <a:fld id="{B61BEF0D-F0BB-DE4B-95CE-6DB70DBA9567}" type="datetimeFigureOut">
               <a:rPr lang="en-US" dirty="0"/>
               <a:pPr/>
-              <a:t>1/20/2018</a:t>
+              <a:t>1/22/2018</a:t>
             </a:fld>
             <a:endParaRPr lang="en-US" dirty="0"/>
           </a:p>
@@ -1944,7 +1954,7 @@
             <a:fld id="{D57F1E4F-1CFF-5643-939E-217C01CDF565}" type="slidenum">
               <a:rPr lang="en-US" dirty="0"/>
               <a:pPr/>
-              <a:t>‹nr.›</a:t>
+              <a:t>‹#›</a:t>
             </a:fld>
             <a:endParaRPr lang="en-US" dirty="0"/>
           </a:p>
@@ -2265,7 +2275,7 @@
             <a:fld id="{B61BEF0D-F0BB-DE4B-95CE-6DB70DBA9567}" type="datetimeFigureOut">
               <a:rPr lang="en-US" dirty="0"/>
               <a:pPr/>
-              <a:t>1/20/2018</a:t>
+              <a:t>1/22/2018</a:t>
             </a:fld>
             <a:endParaRPr lang="en-US" dirty="0"/>
           </a:p>
@@ -2308,7 +2318,7 @@
             <a:fld id="{D57F1E4F-1CFF-5643-939E-217C01CDF565}" type="slidenum">
               <a:rPr lang="en-US" dirty="0"/>
               <a:pPr/>
-              <a:t>‹nr.›</a:t>
+              <a:t>‹#›</a:t>
             </a:fld>
             <a:endParaRPr lang="en-US" dirty="0"/>
           </a:p>
@@ -2436,7 +2446,7 @@
             <a:fld id="{B61BEF0D-F0BB-DE4B-95CE-6DB70DBA9567}" type="datetimeFigureOut">
               <a:rPr lang="en-US" dirty="0"/>
               <a:pPr/>
-              <a:t>1/20/2018</a:t>
+              <a:t>1/22/2018</a:t>
             </a:fld>
             <a:endParaRPr lang="en-US" dirty="0"/>
           </a:p>
@@ -2479,7 +2489,7 @@
             <a:fld id="{D57F1E4F-1CFF-5643-939E-217C01CDF565}" type="slidenum">
               <a:rPr lang="en-US" dirty="0"/>
               <a:pPr/>
-              <a:t>‹nr.›</a:t>
+              <a:t>‹#›</a:t>
             </a:fld>
             <a:endParaRPr lang="en-US" dirty="0"/>
           </a:p>
@@ -2613,7 +2623,7 @@
             <a:fld id="{B61BEF0D-F0BB-DE4B-95CE-6DB70DBA9567}" type="datetimeFigureOut">
               <a:rPr lang="en-US" dirty="0"/>
               <a:pPr/>
-              <a:t>1/20/2018</a:t>
+              <a:t>1/22/2018</a:t>
             </a:fld>
             <a:endParaRPr lang="en-US" dirty="0"/>
           </a:p>
@@ -2656,7 +2666,7 @@
             <a:fld id="{D57F1E4F-1CFF-5643-939E-217C01CDF565}" type="slidenum">
               <a:rPr lang="en-US" dirty="0"/>
               <a:pPr/>
-              <a:t>‹nr.›</a:t>
+              <a:t>‹#›</a:t>
             </a:fld>
             <a:endParaRPr lang="en-US" dirty="0"/>
           </a:p>
@@ -2780,7 +2790,7 @@
             <a:fld id="{B61BEF0D-F0BB-DE4B-95CE-6DB70DBA9567}" type="datetimeFigureOut">
               <a:rPr lang="en-US" dirty="0"/>
               <a:pPr/>
-              <a:t>1/20/2018</a:t>
+              <a:t>1/22/2018</a:t>
             </a:fld>
             <a:endParaRPr lang="en-US" dirty="0"/>
           </a:p>
@@ -2823,7 +2833,7 @@
             <a:fld id="{D57F1E4F-1CFF-5643-939E-217C01CDF565}" type="slidenum">
               <a:rPr lang="en-US" dirty="0"/>
               <a:pPr/>
-              <a:t>‹nr.›</a:t>
+              <a:t>‹#›</a:t>
             </a:fld>
             <a:endParaRPr lang="en-US" dirty="0"/>
           </a:p>
@@ -3027,7 +3037,7 @@
             <a:fld id="{B61BEF0D-F0BB-DE4B-95CE-6DB70DBA9567}" type="datetimeFigureOut">
               <a:rPr lang="en-US" dirty="0"/>
               <a:pPr/>
-              <a:t>1/20/2018</a:t>
+              <a:t>1/22/2018</a:t>
             </a:fld>
             <a:endParaRPr lang="en-US" dirty="0"/>
           </a:p>
@@ -3070,7 +3080,7 @@
             <a:fld id="{D57F1E4F-1CFF-5643-939E-217C01CDF565}" type="slidenum">
               <a:rPr lang="en-US" dirty="0"/>
               <a:pPr/>
-              <a:t>‹nr.›</a:t>
+              <a:t>‹#›</a:t>
             </a:fld>
             <a:endParaRPr lang="en-US" dirty="0"/>
           </a:p>
@@ -3260,7 +3270,7 @@
             <a:fld id="{B61BEF0D-F0BB-DE4B-95CE-6DB70DBA9567}" type="datetimeFigureOut">
               <a:rPr lang="en-US" dirty="0"/>
               <a:pPr/>
-              <a:t>1/20/2018</a:t>
+              <a:t>1/22/2018</a:t>
             </a:fld>
             <a:endParaRPr lang="en-US" dirty="0"/>
           </a:p>
@@ -3303,7 +3313,7 @@
             <a:fld id="{D57F1E4F-1CFF-5643-939E-217C01CDF565}" type="slidenum">
               <a:rPr lang="en-US" dirty="0"/>
               <a:pPr/>
-              <a:t>‹nr.›</a:t>
+              <a:t>‹#›</a:t>
             </a:fld>
             <a:endParaRPr lang="en-US" dirty="0"/>
           </a:p>
@@ -3639,7 +3649,7 @@
             <a:fld id="{B61BEF0D-F0BB-DE4B-95CE-6DB70DBA9567}" type="datetimeFigureOut">
               <a:rPr lang="en-US" dirty="0"/>
               <a:pPr/>
-              <a:t>1/20/2018</a:t>
+              <a:t>1/22/2018</a:t>
             </a:fld>
             <a:endParaRPr lang="en-US" dirty="0"/>
           </a:p>
@@ -3682,7 +3692,7 @@
             <a:fld id="{D57F1E4F-1CFF-5643-939E-217C01CDF565}" type="slidenum">
               <a:rPr lang="en-US" dirty="0"/>
               <a:pPr/>
-              <a:t>‹nr.›</a:t>
+              <a:t>‹#›</a:t>
             </a:fld>
             <a:endParaRPr lang="en-US" dirty="0"/>
           </a:p>
@@ -3754,7 +3764,7 @@
             <a:fld id="{B61BEF0D-F0BB-DE4B-95CE-6DB70DBA9567}" type="datetimeFigureOut">
               <a:rPr lang="en-US" dirty="0"/>
               <a:pPr/>
-              <a:t>1/20/2018</a:t>
+              <a:t>1/22/2018</a:t>
             </a:fld>
             <a:endParaRPr lang="en-US" dirty="0"/>
           </a:p>
@@ -3797,7 +3807,7 @@
             <a:fld id="{D57F1E4F-1CFF-5643-939E-217C01CDF565}" type="slidenum">
               <a:rPr lang="en-US" dirty="0"/>
               <a:pPr/>
-              <a:t>‹nr.›</a:t>
+              <a:t>‹#›</a:t>
             </a:fld>
             <a:endParaRPr lang="en-US" dirty="0"/>
           </a:p>
@@ -3846,7 +3856,7 @@
             <a:fld id="{B61BEF0D-F0BB-DE4B-95CE-6DB70DBA9567}" type="datetimeFigureOut">
               <a:rPr lang="en-US" dirty="0"/>
               <a:pPr/>
-              <a:t>1/20/2018</a:t>
+              <a:t>1/22/2018</a:t>
             </a:fld>
             <a:endParaRPr lang="en-US" dirty="0"/>
           </a:p>
@@ -3889,7 +3899,7 @@
             <a:fld id="{D57F1E4F-1CFF-5643-939E-217C01CDF565}" type="slidenum">
               <a:rPr lang="en-US" dirty="0"/>
               <a:pPr/>
-              <a:t>‹nr.›</a:t>
+              <a:t>‹#›</a:t>
             </a:fld>
             <a:endParaRPr lang="en-US" dirty="0"/>
           </a:p>
@@ -4098,7 +4108,7 @@
             <a:fld id="{B61BEF0D-F0BB-DE4B-95CE-6DB70DBA9567}" type="datetimeFigureOut">
               <a:rPr lang="en-US" dirty="0"/>
               <a:pPr/>
-              <a:t>1/20/2018</a:t>
+              <a:t>1/22/2018</a:t>
             </a:fld>
             <a:endParaRPr lang="en-US" dirty="0"/>
           </a:p>
@@ -4141,7 +4151,7 @@
             <a:fld id="{D57F1E4F-1CFF-5643-939E-217C01CDF565}" type="slidenum">
               <a:rPr lang="en-US" dirty="0"/>
               <a:pPr/>
-              <a:t>‹nr.›</a:t>
+              <a:t>‹#›</a:t>
             </a:fld>
             <a:endParaRPr lang="en-US" dirty="0"/>
           </a:p>
@@ -4378,7 +4388,7 @@
             <a:fld id="{B61BEF0D-F0BB-DE4B-95CE-6DB70DBA9567}" type="datetimeFigureOut">
               <a:rPr lang="en-US" dirty="0"/>
               <a:pPr/>
-              <a:t>1/20/2018</a:t>
+              <a:t>1/22/2018</a:t>
             </a:fld>
             <a:endParaRPr lang="en-US" dirty="0"/>
           </a:p>
@@ -4421,7 +4431,7 @@
             <a:fld id="{D57F1E4F-1CFF-5643-939E-217C01CDF565}" type="slidenum">
               <a:rPr lang="en-US" dirty="0"/>
               <a:pPr/>
-              <a:t>‹nr.›</a:t>
+              <a:t>‹#›</a:t>
             </a:fld>
             <a:endParaRPr lang="en-US" dirty="0"/>
           </a:p>
@@ -4781,7 +4791,7 @@
             <a:fld id="{B61BEF0D-F0BB-DE4B-95CE-6DB70DBA9567}" type="datetimeFigureOut">
               <a:rPr lang="en-US" dirty="0"/>
               <a:pPr/>
-              <a:t>1/20/2018</a:t>
+              <a:t>1/22/2018</a:t>
             </a:fld>
             <a:endParaRPr lang="en-US" dirty="0"/>
           </a:p>
@@ -4864,7 +4874,7 @@
             <a:fld id="{D57F1E4F-1CFF-5643-939E-217C01CDF565}" type="slidenum">
               <a:rPr lang="en-US" dirty="0"/>
               <a:pPr/>
-              <a:t>‹nr.›</a:t>
+              <a:t>‹#›</a:t>
             </a:fld>
             <a:endParaRPr lang="en-US" dirty="0"/>
           </a:p>
@@ -5334,8 +5344,12 @@
           <a:lstStyle/>
           <a:p>
             <a:r>
+              <a:rPr lang="en-US"/>
+              <a:t>Building an </a:t>
+            </a:r>
+            <a:r>
               <a:rPr lang="en-US" dirty="0"/>
-              <a:t>Building an VR ship simulation</a:t>
+              <a:t>VR ship game</a:t>
             </a:r>
             <a:endParaRPr lang="nl-NL" dirty="0"/>
           </a:p>
@@ -5554,10 +5568,10 @@
       </p:grpSpPr>
       <p:sp>
         <p:nvSpPr>
-          <p:cNvPr id="2" name="Titel 1">
+          <p:cNvPr id="2" name="Title 1">
             <a:extLst>
               <a:ext uri="{FF2B5EF4-FFF2-40B4-BE49-F238E27FC236}">
-                <a16:creationId xmlns:a16="http://schemas.microsoft.com/office/drawing/2014/main" id="{B1E1F906-57F5-44C2-8628-A0E759D46625}"/>
+                <a16:creationId xmlns:a16="http://schemas.microsoft.com/office/drawing/2014/main" id="{912A624B-1708-4BC4-8EE8-B5BEA2EFC200}"/>
               </a:ext>
             </a:extLst>
           </p:cNvPr>
@@ -5580,27 +5594,77 @@
           <a:p>
             <a:r>
               <a:rPr lang="en-US" dirty="0"/>
-              <a:t>Results</a:t>
-            </a:r>
-            <a:endParaRPr lang="nl-NL" dirty="0"/>
+              <a:t>Process</a:t>
+            </a:r>
+            <a:endParaRPr lang="en-NL" dirty="0"/>
+          </a:p>
+        </p:txBody>
+      </p:sp>
+      <p:sp>
+        <p:nvSpPr>
+          <p:cNvPr id="3" name="Content Placeholder 2">
+            <a:extLst>
+              <a:ext uri="{FF2B5EF4-FFF2-40B4-BE49-F238E27FC236}">
+                <a16:creationId xmlns:a16="http://schemas.microsoft.com/office/drawing/2014/main" id="{1D85B616-A147-47F6-A587-482BEE3AD04B}"/>
+              </a:ext>
+            </a:extLst>
+          </p:cNvPr>
+          <p:cNvSpPr>
+            <a:spLocks noGrp="1"/>
+          </p:cNvSpPr>
+          <p:nvPr>
+            <p:ph idx="1"/>
+          </p:nvPr>
+        </p:nvSpPr>
+        <p:spPr>
+          <a:xfrm>
+            <a:off x="684212" y="1764633"/>
+            <a:ext cx="10892984" cy="3304672"/>
+          </a:xfrm>
+        </p:spPr>
+        <p:txBody>
+          <a:bodyPr/>
+          <a:lstStyle/>
+          <a:p>
+            <a:r>
+              <a:rPr lang="en-US" dirty="0"/>
+              <a:t>Started on a basic system were boats go from one island to the next.</a:t>
+            </a:r>
+          </a:p>
+          <a:p>
+            <a:r>
+              <a:rPr lang="en-US" dirty="0"/>
+              <a:t>Navigation in the environment using the Vive controllers.</a:t>
+            </a:r>
+          </a:p>
+          <a:p>
+            <a:r>
+              <a:rPr lang="en-US" dirty="0"/>
+              <a:t>Displaying UI elements in VR.</a:t>
+            </a:r>
+          </a:p>
+          <a:p>
+            <a:r>
+              <a:rPr lang="en-US" dirty="0"/>
+              <a:t>Interaction with UI elements.</a:t>
+            </a:r>
+            <a:endParaRPr lang="en-NL" dirty="0"/>
           </a:p>
         </p:txBody>
       </p:sp>
       <p:pic>
         <p:nvPicPr>
-          <p:cNvPr id="5" name="Tijdelijke aanduiding voor inhoud 4">
+          <p:cNvPr id="4" name="Picture 3">
             <a:extLst>
               <a:ext uri="{FF2B5EF4-FFF2-40B4-BE49-F238E27FC236}">
-                <a16:creationId xmlns:a16="http://schemas.microsoft.com/office/drawing/2014/main" id="{236F9376-7D26-462E-979B-AC6885F877A0}"/>
+                <a16:creationId xmlns:a16="http://schemas.microsoft.com/office/drawing/2014/main" id="{EE7A2328-94F1-4FBE-B2EC-8B7FBA8CE500}"/>
               </a:ext>
             </a:extLst>
           </p:cNvPr>
           <p:cNvPicPr>
-            <a:picLocks noGrp="1" noChangeAspect="1"/>
+            <a:picLocks noChangeAspect="1"/>
           </p:cNvPicPr>
-          <p:nvPr>
-            <p:ph idx="1"/>
-          </p:nvPr>
+          <p:nvPr/>
         </p:nvPicPr>
         <p:blipFill>
           <a:blip r:embed="rId2"/>
@@ -5610,35 +5674,8 @@
         </p:blipFill>
         <p:spPr>
           <a:xfrm>
-            <a:off x="8149389" y="3553488"/>
-            <a:ext cx="3574586" cy="2894964"/>
-          </a:xfrm>
-        </p:spPr>
-      </p:pic>
-      <p:pic>
-        <p:nvPicPr>
-          <p:cNvPr id="7" name="Afbeelding 6">
-            <a:extLst>
-              <a:ext uri="{FF2B5EF4-FFF2-40B4-BE49-F238E27FC236}">
-                <a16:creationId xmlns:a16="http://schemas.microsoft.com/office/drawing/2014/main" id="{C55959B9-6D2E-4094-81B2-C570580E58C5}"/>
-              </a:ext>
-            </a:extLst>
-          </p:cNvPr>
-          <p:cNvPicPr>
-            <a:picLocks noChangeAspect="1"/>
-          </p:cNvPicPr>
-          <p:nvPr/>
-        </p:nvPicPr>
-        <p:blipFill>
-          <a:blip r:embed="rId3"/>
-          <a:stretch>
-            <a:fillRect/>
-          </a:stretch>
-        </p:blipFill>
-        <p:spPr>
-          <a:xfrm>
-            <a:off x="6659539" y="685800"/>
-            <a:ext cx="5064436" cy="2618713"/>
+            <a:off x="6130704" y="3429000"/>
+            <a:ext cx="5761219" cy="3121423"/>
           </a:xfrm>
           <a:prstGeom prst="rect">
             <a:avLst/>
@@ -5648,7 +5685,7 @@
     </p:spTree>
     <p:extLst>
       <p:ext uri="{BB962C8B-B14F-4D97-AF65-F5344CB8AC3E}">
-        <p14:creationId xmlns:p14="http://schemas.microsoft.com/office/powerpoint/2010/main" val="1417484133"/>
+        <p14:creationId xmlns:p14="http://schemas.microsoft.com/office/powerpoint/2010/main" val="363069740"/>
       </p:ext>
     </p:extLst>
   </p:cSld>
@@ -5727,22 +5764,346 @@
         </p:nvSpPr>
         <p:spPr>
           <a:xfrm>
-            <a:off x="684212" y="2192867"/>
-            <a:ext cx="8534400" cy="3615267"/>
+            <a:off x="684211" y="2192867"/>
+            <a:ext cx="11039763" cy="3084985"/>
           </a:xfrm>
         </p:spPr>
         <p:txBody>
           <a:bodyPr/>
           <a:lstStyle/>
           <a:p>
-            <a:endParaRPr lang="nl-NL"/>
-          </a:p>
-        </p:txBody>
-      </p:sp>
+            <a:r>
+              <a:rPr lang="nl-NL" dirty="0" err="1"/>
+              <a:t>Learned</a:t>
+            </a:r>
+            <a:r>
+              <a:rPr lang="nl-NL" dirty="0"/>
+              <a:t> a lot </a:t>
+            </a:r>
+            <a:r>
+              <a:rPr lang="nl-NL" dirty="0" err="1"/>
+              <a:t>about</a:t>
+            </a:r>
+            <a:r>
+              <a:rPr lang="nl-NL" dirty="0"/>
+              <a:t> </a:t>
+            </a:r>
+            <a:r>
+              <a:rPr lang="nl-NL" dirty="0" err="1"/>
+              <a:t>the</a:t>
+            </a:r>
+            <a:r>
+              <a:rPr lang="nl-NL" dirty="0"/>
+              <a:t> Vive controllers (</a:t>
+            </a:r>
+            <a:r>
+              <a:rPr lang="nl-NL" dirty="0" err="1"/>
+              <a:t>and</a:t>
+            </a:r>
+            <a:r>
+              <a:rPr lang="nl-NL" dirty="0"/>
+              <a:t> </a:t>
+            </a:r>
+            <a:r>
+              <a:rPr lang="nl-NL" dirty="0" err="1"/>
+              <a:t>the</a:t>
+            </a:r>
+            <a:r>
+              <a:rPr lang="nl-NL" dirty="0"/>
+              <a:t> </a:t>
+            </a:r>
+            <a:r>
+              <a:rPr lang="nl-NL" dirty="0" err="1"/>
+              <a:t>restrictions</a:t>
+            </a:r>
+            <a:r>
+              <a:rPr lang="nl-NL" dirty="0"/>
+              <a:t> </a:t>
+            </a:r>
+            <a:r>
+              <a:rPr lang="nl-NL" dirty="0" err="1"/>
+              <a:t>you</a:t>
+            </a:r>
+            <a:r>
+              <a:rPr lang="nl-NL" dirty="0"/>
+              <a:t> </a:t>
+            </a:r>
+            <a:r>
+              <a:rPr lang="nl-NL" dirty="0" err="1"/>
+              <a:t>dont</a:t>
+            </a:r>
+            <a:r>
+              <a:rPr lang="nl-NL" dirty="0"/>
+              <a:t> have).</a:t>
+            </a:r>
+          </a:p>
+          <a:p>
+            <a:r>
+              <a:rPr lang="nl-NL" dirty="0" err="1"/>
+              <a:t>Learned</a:t>
+            </a:r>
+            <a:r>
+              <a:rPr lang="nl-NL" dirty="0"/>
+              <a:t> a lot </a:t>
+            </a:r>
+            <a:r>
+              <a:rPr lang="nl-NL" dirty="0" err="1"/>
+              <a:t>about</a:t>
+            </a:r>
+            <a:r>
+              <a:rPr lang="nl-NL" dirty="0"/>
+              <a:t> </a:t>
+            </a:r>
+            <a:r>
+              <a:rPr lang="nl-NL" dirty="0" err="1"/>
+              <a:t>designing</a:t>
+            </a:r>
+            <a:r>
+              <a:rPr lang="nl-NL" dirty="0"/>
+              <a:t> a Vr </a:t>
+            </a:r>
+            <a:r>
+              <a:rPr lang="nl-NL" dirty="0" err="1"/>
+              <a:t>application</a:t>
+            </a:r>
+            <a:r>
+              <a:rPr lang="nl-NL" dirty="0"/>
+              <a:t> </a:t>
+            </a:r>
+            <a:r>
+              <a:rPr lang="nl-NL" dirty="0" err="1"/>
+              <a:t>were</a:t>
+            </a:r>
+            <a:r>
+              <a:rPr lang="nl-NL" dirty="0"/>
+              <a:t> </a:t>
+            </a:r>
+            <a:r>
+              <a:rPr lang="nl-NL" dirty="0" err="1"/>
+              <a:t>the</a:t>
+            </a:r>
+            <a:r>
+              <a:rPr lang="nl-NL" dirty="0"/>
+              <a:t> user is </a:t>
+            </a:r>
+            <a:r>
+              <a:rPr lang="nl-NL" dirty="0" err="1"/>
+              <a:t>able</a:t>
+            </a:r>
+            <a:r>
+              <a:rPr lang="nl-NL" dirty="0"/>
+              <a:t> </a:t>
+            </a:r>
+            <a:r>
+              <a:rPr lang="nl-NL" dirty="0" err="1"/>
+              <a:t>to</a:t>
+            </a:r>
+            <a:r>
+              <a:rPr lang="nl-NL" dirty="0"/>
+              <a:t> do more </a:t>
+            </a:r>
+            <a:r>
+              <a:rPr lang="nl-NL" dirty="0" err="1"/>
+              <a:t>than</a:t>
+            </a:r>
+            <a:r>
+              <a:rPr lang="nl-NL" dirty="0"/>
+              <a:t> </a:t>
+            </a:r>
+            <a:r>
+              <a:rPr lang="nl-NL" dirty="0" err="1"/>
+              <a:t>pick</a:t>
+            </a:r>
+            <a:r>
+              <a:rPr lang="nl-NL" dirty="0"/>
+              <a:t> up </a:t>
+            </a:r>
+            <a:r>
+              <a:rPr lang="nl-NL" dirty="0" err="1"/>
+              <a:t>objects</a:t>
+            </a:r>
+            <a:r>
+              <a:rPr lang="nl-NL" dirty="0"/>
+              <a:t> </a:t>
+            </a:r>
+            <a:r>
+              <a:rPr lang="nl-NL" dirty="0" err="1"/>
+              <a:t>and</a:t>
+            </a:r>
+            <a:r>
+              <a:rPr lang="nl-NL" dirty="0"/>
+              <a:t> </a:t>
+            </a:r>
+            <a:r>
+              <a:rPr lang="nl-NL" dirty="0" err="1"/>
+              <a:t>navigate</a:t>
+            </a:r>
+            <a:r>
+              <a:rPr lang="nl-NL" dirty="0"/>
+              <a:t> </a:t>
+            </a:r>
+            <a:r>
+              <a:rPr lang="nl-NL" dirty="0" err="1"/>
+              <a:t>around</a:t>
+            </a:r>
+            <a:r>
+              <a:rPr lang="nl-NL" dirty="0"/>
+              <a:t> </a:t>
+            </a:r>
+            <a:r>
+              <a:rPr lang="nl-NL" dirty="0" err="1"/>
+              <a:t>the</a:t>
+            </a:r>
+            <a:r>
+              <a:rPr lang="nl-NL" dirty="0"/>
+              <a:t> environment.</a:t>
+            </a:r>
+          </a:p>
+          <a:p>
+            <a:endParaRPr lang="nl-NL" dirty="0"/>
+          </a:p>
+          <a:p>
+            <a:endParaRPr lang="nl-NL" dirty="0"/>
+          </a:p>
+          <a:p>
+            <a:endParaRPr lang="nl-NL" dirty="0"/>
+          </a:p>
+          <a:p>
+            <a:endParaRPr lang="nl-NL" dirty="0"/>
+          </a:p>
+          <a:p>
+            <a:endParaRPr lang="nl-NL" dirty="0"/>
+          </a:p>
+        </p:txBody>
+      </p:sp>
+      <p:pic>
+        <p:nvPicPr>
+          <p:cNvPr id="4" name="Afbeelding 6">
+            <a:extLst>
+              <a:ext uri="{FF2B5EF4-FFF2-40B4-BE49-F238E27FC236}">
+                <a16:creationId xmlns:a16="http://schemas.microsoft.com/office/drawing/2014/main" id="{7C9B8A65-6D71-404A-95E7-F3EAA95B04EF}"/>
+              </a:ext>
+            </a:extLst>
+          </p:cNvPr>
+          <p:cNvPicPr>
+            <a:picLocks noChangeAspect="1"/>
+          </p:cNvPicPr>
+          <p:nvPr/>
+        </p:nvPicPr>
+        <p:blipFill>
+          <a:blip r:embed="rId2"/>
+          <a:stretch>
+            <a:fillRect/>
+          </a:stretch>
+        </p:blipFill>
+        <p:spPr>
+          <a:xfrm>
+            <a:off x="684210" y="3735359"/>
+            <a:ext cx="5064436" cy="2618713"/>
+          </a:xfrm>
+          <a:prstGeom prst="rect">
+            <a:avLst/>
+          </a:prstGeom>
+        </p:spPr>
+      </p:pic>
+      <p:pic>
+        <p:nvPicPr>
+          <p:cNvPr id="5" name="Tijdelijke aanduiding voor inhoud 4">
+            <a:extLst>
+              <a:ext uri="{FF2B5EF4-FFF2-40B4-BE49-F238E27FC236}">
+                <a16:creationId xmlns:a16="http://schemas.microsoft.com/office/drawing/2014/main" id="{0E45E9CA-7B13-486D-921F-B2C90FF278E5}"/>
+              </a:ext>
+            </a:extLst>
+          </p:cNvPr>
+          <p:cNvPicPr>
+            <a:picLocks noChangeAspect="1"/>
+          </p:cNvPicPr>
+          <p:nvPr/>
+        </p:nvPicPr>
+        <p:blipFill>
+          <a:blip r:embed="rId3"/>
+          <a:stretch>
+            <a:fillRect/>
+          </a:stretch>
+        </p:blipFill>
+        <p:spPr>
+          <a:xfrm>
+            <a:off x="8149389" y="3553488"/>
+            <a:ext cx="3574586" cy="2894964"/>
+          </a:xfrm>
+          <a:prstGeom prst="rect">
+            <a:avLst/>
+          </a:prstGeom>
+        </p:spPr>
+      </p:pic>
     </p:spTree>
     <p:extLst>
       <p:ext uri="{BB962C8B-B14F-4D97-AF65-F5344CB8AC3E}">
         <p14:creationId xmlns:p14="http://schemas.microsoft.com/office/powerpoint/2010/main" val="2803279806"/>
+      </p:ext>
+    </p:extLst>
+  </p:cSld>
+  <p:clrMapOvr>
+    <a:masterClrMapping/>
+  </p:clrMapOvr>
+</p:sld>
+</file>
+
+<file path=ppt/slides/slide5.xml><?xml version="1.0" encoding="utf-8"?>
+<p:sld xmlns:a="http://schemas.openxmlformats.org/drawingml/2006/main" xmlns:r="http://schemas.openxmlformats.org/officeDocument/2006/relationships" xmlns:p="http://schemas.openxmlformats.org/presentationml/2006/main">
+  <p:cSld>
+    <p:spTree>
+      <p:nvGrpSpPr>
+        <p:cNvPr id="1" name=""/>
+        <p:cNvGrpSpPr/>
+        <p:nvPr/>
+      </p:nvGrpSpPr>
+      <p:grpSpPr>
+        <a:xfrm>
+          <a:off x="0" y="0"/>
+          <a:ext cx="0" cy="0"/>
+          <a:chOff x="0" y="0"/>
+          <a:chExt cx="0" cy="0"/>
+        </a:xfrm>
+      </p:grpSpPr>
+      <p:sp>
+        <p:nvSpPr>
+          <p:cNvPr id="2" name="Title 1">
+            <a:extLst>
+              <a:ext uri="{FF2B5EF4-FFF2-40B4-BE49-F238E27FC236}">
+                <a16:creationId xmlns:a16="http://schemas.microsoft.com/office/drawing/2014/main" id="{1BA4AF18-64EC-42EC-8A82-E5CF300717DE}"/>
+              </a:ext>
+            </a:extLst>
+          </p:cNvPr>
+          <p:cNvSpPr>
+            <a:spLocks noGrp="1"/>
+          </p:cNvSpPr>
+          <p:nvPr>
+            <p:ph type="title"/>
+          </p:nvPr>
+        </p:nvSpPr>
+        <p:spPr>
+          <a:xfrm>
+            <a:off x="4053054" y="2289564"/>
+            <a:ext cx="8534400" cy="1507067"/>
+          </a:xfrm>
+        </p:spPr>
+        <p:txBody>
+          <a:bodyPr/>
+          <a:lstStyle/>
+          <a:p>
+            <a:r>
+              <a:rPr lang="en-US" dirty="0"/>
+              <a:t>Questions?</a:t>
+            </a:r>
+            <a:endParaRPr lang="en-NL" dirty="0"/>
+          </a:p>
+        </p:txBody>
+      </p:sp>
+    </p:spTree>
+    <p:extLst>
+      <p:ext uri="{BB962C8B-B14F-4D97-AF65-F5344CB8AC3E}">
+        <p14:creationId xmlns:p14="http://schemas.microsoft.com/office/powerpoint/2010/main" val="2858084013"/>
       </p:ext>
     </p:extLst>
   </p:cSld>
